--- a/materials/terraform_openstack_tutorial.pptx
+++ b/materials/terraform_openstack_tutorial.pptx
@@ -5,7 +5,7 @@
     <p:sldMasterId id="2147483648" r:id="rId1"/>
   </p:sldMasterIdLst>
   <p:notesMasterIdLst>
-    <p:notesMasterId r:id="rId33"/>
+    <p:notesMasterId r:id="rId34"/>
   </p:notesMasterIdLst>
   <p:sldIdLst>
     <p:sldId id="304" r:id="rId2"/>
@@ -39,6 +39,7 @@
     <p:sldId id="340" r:id="rId30"/>
     <p:sldId id="331" r:id="rId31"/>
     <p:sldId id="342" r:id="rId32"/>
+    <p:sldId id="344" r:id="rId33"/>
   </p:sldIdLst>
   <p:sldSz cx="12192000" cy="6858000"/>
   <p:notesSz cx="6858000" cy="9144000"/>
@@ -7157,7 +7158,7 @@
                 <a:latin typeface="Arial" panose="020B0604020202020204" pitchFamily="34" charset="0"/>
                 <a:cs typeface="Arial" panose="020B0604020202020204" pitchFamily="34" charset="0"/>
               </a:rPr>
-              <a:t> Allow only for the rightmost version (last number) to increment e.g., “~= 1.0.0” will allow “1.0.5” but not “1.1.0”</a:t>
+              <a:t> Allow only for the rightmost version (last number) to increment e.g., “~&gt; 1.0.0” will allow “1.0.5” but not “1.1.0”</a:t>
             </a:r>
             <a:endParaRPr kumimoji="0" lang="en-US" altLang="en-US" b="0" i="0" u="none" strike="noStrike" cap="none" normalizeH="0" baseline="0" dirty="0">
               <a:ln>
@@ -14712,7 +14713,11 @@
                 <a:latin typeface="Arial" panose="020B0604020202020204" pitchFamily="34" charset="0"/>
                 <a:cs typeface="Arial" panose="020B0604020202020204" pitchFamily="34" charset="0"/>
               </a:rPr>
-              <a:t>) is the process of managing and provisioning cloud infrastructure with machine-readable definition files.</a:t>
+              <a:t>) </a:t>
+            </a:r>
+            <a:r>
+              <a:rPr lang="en-US" sz="2400" dirty="0"/>
+              <a:t>is the practice of managing and provisioning infrastructure through machine-readable configuration files, rather than through manual processes.</a:t>
             </a:r>
           </a:p>
           <a:p>
@@ -14745,7 +14750,7 @@
                 <a:latin typeface="Arial" panose="020B0604020202020204" pitchFamily="34" charset="0"/>
                 <a:cs typeface="Arial" panose="020B0604020202020204" pitchFamily="34" charset="0"/>
               </a:rPr>
-              <a:t>Think of it as an executable documentation.</a:t>
+              <a:t>Think of it as executable documentation.</a:t>
             </a:r>
             <a:endParaRPr lang="en-US" sz="2400" b="0" i="0" dirty="0">
               <a:solidFill>
@@ -14797,6 +14802,55 @@
                                     <p:set>
                                       <p:cBhvr>
                                         <p:cTn id="6" dur="1" fill="hold">
+                                          <p:stCondLst>
+                                            <p:cond delay="0"/>
+                                          </p:stCondLst>
+                                        </p:cTn>
+                                        <p:tgtEl>
+                                          <p:spTgt spid="9">
+                                            <p:txEl>
+                                              <p:pRg st="0" end="0"/>
+                                            </p:txEl>
+                                          </p:spTgt>
+                                        </p:tgtEl>
+                                        <p:attrNameLst>
+                                          <p:attrName>style.visibility</p:attrName>
+                                        </p:attrNameLst>
+                                      </p:cBhvr>
+                                      <p:to>
+                                        <p:strVal val="visible"/>
+                                      </p:to>
+                                    </p:set>
+                                  </p:childTnLst>
+                                </p:cTn>
+                              </p:par>
+                            </p:childTnLst>
+                          </p:cTn>
+                        </p:par>
+                      </p:childTnLst>
+                    </p:cTn>
+                  </p:par>
+                  <p:par>
+                    <p:cTn id="7" fill="hold">
+                      <p:stCondLst>
+                        <p:cond delay="indefinite"/>
+                      </p:stCondLst>
+                      <p:childTnLst>
+                        <p:par>
+                          <p:cTn id="8" fill="hold">
+                            <p:stCondLst>
+                              <p:cond delay="0"/>
+                            </p:stCondLst>
+                            <p:childTnLst>
+                              <p:par>
+                                <p:cTn id="9" presetID="1" presetClass="entr" presetSubtype="0" fill="hold" nodeType="clickEffect">
+                                  <p:stCondLst>
+                                    <p:cond delay="0"/>
+                                  </p:stCondLst>
+                                  <p:childTnLst>
+                                    <p:set>
+                                      <p:cBhvr>
+                                        <p:cTn id="10" dur="1" fill="hold">
                                           <p:stCondLst>
                                             <p:cond delay="0"/>
                                           </p:stCondLst>
@@ -21835,6 +21889,20 @@
               <a:tabLst/>
             </a:pPr>
             <a:r>
+              <a:rPr kumimoji="0" lang="en-US" altLang="en-US" b="1" i="0" u="none" strike="noStrike" cap="none" normalizeH="0" baseline="0" dirty="0" err="1">
+                <a:ln>
+                  <a:noFill/>
+                </a:ln>
+                <a:solidFill>
+                  <a:srgbClr val="000000"/>
+                </a:solidFill>
+                <a:effectLst/>
+                <a:latin typeface="Arial" panose="020B0604020202020204" pitchFamily="34" charset="0"/>
+                <a:cs typeface="Arial" panose="020B0604020202020204" pitchFamily="34" charset="0"/>
+              </a:rPr>
+              <a:t>IaC</a:t>
+            </a:r>
+            <a:r>
               <a:rPr kumimoji="0" lang="en-US" altLang="en-US" b="1" i="0" u="none" strike="noStrike" cap="none" normalizeH="0" baseline="0" dirty="0">
                 <a:ln>
                   <a:noFill/>
@@ -21846,7 +21914,7 @@
                 <a:latin typeface="Arial" panose="020B0604020202020204" pitchFamily="34" charset="0"/>
                 <a:cs typeface="Arial" panose="020B0604020202020204" pitchFamily="34" charset="0"/>
               </a:rPr>
-              <a:t>Infrastructure as Code allows </a:t>
+              <a:t> allows </a:t>
             </a:r>
             <a:r>
               <a:rPr lang="en-US" altLang="en-US" b="1" dirty="0">
@@ -22022,8 +22090,8 @@
         </p:nvSpPr>
         <p:spPr>
           <a:xfrm>
-            <a:off x="312419" y="1215850"/>
-            <a:ext cx="11675265" cy="5454309"/>
+            <a:off x="312420" y="1215850"/>
+            <a:ext cx="7187204" cy="5454309"/>
           </a:xfrm>
         </p:spPr>
         <p:txBody>
@@ -22099,35 +22167,21 @@
                 <a:latin typeface="Arial" panose="020B0604020202020204" pitchFamily="34" charset="0"/>
                 <a:cs typeface="Arial" panose="020B0604020202020204" pitchFamily="34" charset="0"/>
               </a:rPr>
-              <a:t>Select the </a:t>
+              <a:t>Go to </a:t>
             </a:r>
             <a:r>
               <a:rPr lang="en-US" altLang="en-US" sz="2200" b="1" dirty="0">
                 <a:latin typeface="Arial" panose="020B0604020202020204" pitchFamily="34" charset="0"/>
                 <a:cs typeface="Arial" panose="020B0604020202020204" pitchFamily="34" charset="0"/>
               </a:rPr>
-              <a:t>CLUM20251</a:t>
+              <a:t>Profile</a:t>
             </a:r>
             <a:r>
               <a:rPr lang="en-US" altLang="en-US" sz="2200" dirty="0">
                 <a:latin typeface="Arial" panose="020B0604020202020204" pitchFamily="34" charset="0"/>
                 <a:cs typeface="Arial" panose="020B0604020202020204" pitchFamily="34" charset="0"/>
               </a:rPr>
-              <a:t> project on the left panel under </a:t>
-            </a:r>
-            <a:r>
-              <a:rPr lang="en-US" altLang="en-US" sz="2200" b="1" dirty="0">
-                <a:latin typeface="Arial" panose="020B0604020202020204" pitchFamily="34" charset="0"/>
-                <a:cs typeface="Arial" panose="020B0604020202020204" pitchFamily="34" charset="0"/>
-              </a:rPr>
-              <a:t>Projects</a:t>
-            </a:r>
-            <a:r>
-              <a:rPr lang="en-US" altLang="en-US" sz="2200" dirty="0">
-                <a:latin typeface="Arial" panose="020B0604020202020204" pitchFamily="34" charset="0"/>
-                <a:cs typeface="Arial" panose="020B0604020202020204" pitchFamily="34" charset="0"/>
-              </a:rPr>
-              <a:t>.</a:t>
+              <a:t> (left panel).</a:t>
             </a:r>
           </a:p>
           <a:p>
@@ -22145,33 +22199,21 @@
               <a:buAutoNum type="arabicPeriod"/>
             </a:pPr>
             <a:r>
-              <a:rPr kumimoji="0" lang="en-US" altLang="en-US" sz="2200" i="0" u="none" strike="noStrike" cap="none" normalizeH="0" dirty="0">
-                <a:ln>
-                  <a:noFill/>
-                </a:ln>
-                <a:effectLst/>
-                <a:latin typeface="Arial" panose="020B0604020202020204" pitchFamily="34" charset="0"/>
-                <a:cs typeface="Arial" panose="020B0604020202020204" pitchFamily="34" charset="0"/>
-              </a:rPr>
-              <a:t>Click on the </a:t>
-            </a:r>
-            <a:r>
-              <a:rPr kumimoji="0" lang="en-US" altLang="en-US" sz="2200" b="1" i="0" u="none" strike="noStrike" cap="none" normalizeH="0" dirty="0">
-                <a:ln>
-                  <a:noFill/>
-                </a:ln>
-                <a:effectLst/>
-                <a:latin typeface="Arial" panose="020B0604020202020204" pitchFamily="34" charset="0"/>
-                <a:cs typeface="Arial" panose="020B0604020202020204" pitchFamily="34" charset="0"/>
-              </a:rPr>
-              <a:t>Login to OpenStack</a:t>
-            </a:r>
-            <a:r>
-              <a:rPr kumimoji="0" lang="en-US" altLang="en-US" sz="2200" i="0" u="none" strike="noStrike" cap="none" normalizeH="0" dirty="0">
-                <a:ln>
-                  <a:noFill/>
-                </a:ln>
-                <a:effectLst/>
+              <a:rPr lang="en-US" altLang="en-US" sz="2200" dirty="0">
+                <a:latin typeface="Arial" panose="020B0604020202020204" pitchFamily="34" charset="0"/>
+                <a:cs typeface="Arial" panose="020B0604020202020204" pitchFamily="34" charset="0"/>
+              </a:rPr>
+              <a:t>Click on </a:t>
+            </a:r>
+            <a:r>
+              <a:rPr lang="en-US" altLang="en-US" sz="2200" b="1" dirty="0">
+                <a:latin typeface="Arial" panose="020B0604020202020204" pitchFamily="34" charset="0"/>
+                <a:cs typeface="Arial" panose="020B0604020202020204" pitchFamily="34" charset="0"/>
+              </a:rPr>
+              <a:t>Generate Key</a:t>
+            </a:r>
+            <a:r>
+              <a:rPr lang="en-US" altLang="en-US" sz="2200" dirty="0">
                 <a:latin typeface="Arial" panose="020B0604020202020204" pitchFamily="34" charset="0"/>
                 <a:cs typeface="Arial" panose="020B0604020202020204" pitchFamily="34" charset="0"/>
               </a:rPr>
@@ -22197,11 +22239,25 @@
                 <a:latin typeface="Arial" panose="020B0604020202020204" pitchFamily="34" charset="0"/>
                 <a:cs typeface="Arial" panose="020B0604020202020204" pitchFamily="34" charset="0"/>
               </a:rPr>
-              <a:t>In the left panel of the OpenStack dashboard</a:t>
-            </a:r>
-          </a:p>
-          <a:p>
-            <a:pPr marL="914400" lvl="1" indent="-457200" eaLnBrk="0" fontAlgn="base" hangingPunct="0">
+              <a:t>Tick the checkbox and click </a:t>
+            </a:r>
+            <a:r>
+              <a:rPr lang="en-US" altLang="en-US" sz="2200" b="1" dirty="0">
+                <a:latin typeface="Arial" panose="020B0604020202020204" pitchFamily="34" charset="0"/>
+                <a:cs typeface="Arial" panose="020B0604020202020204" pitchFamily="34" charset="0"/>
+              </a:rPr>
+              <a:t>Set</a:t>
+            </a:r>
+            <a:r>
+              <a:rPr lang="en-US" altLang="en-US" sz="2200" dirty="0">
+                <a:latin typeface="Arial" panose="020B0604020202020204" pitchFamily="34" charset="0"/>
+                <a:cs typeface="Arial" panose="020B0604020202020204" pitchFamily="34" charset="0"/>
+              </a:rPr>
+              <a:t>.</a:t>
+            </a:r>
+          </a:p>
+          <a:p>
+            <a:pPr marL="457200" indent="-457200" eaLnBrk="0" fontAlgn="base" hangingPunct="0">
               <a:lnSpc>
                 <a:spcPct val="100000"/>
               </a:lnSpc>
@@ -22215,41 +22271,40 @@
               <a:buAutoNum type="arabicPeriod"/>
             </a:pPr>
             <a:r>
-              <a:rPr kumimoji="0" lang="en-US" altLang="en-US" sz="2200" i="0" u="none" strike="noStrike" cap="none" normalizeH="0" dirty="0">
-                <a:ln>
-                  <a:noFill/>
-                </a:ln>
-                <a:effectLst/>
-                <a:latin typeface="Arial" panose="020B0604020202020204" pitchFamily="34" charset="0"/>
-                <a:cs typeface="Arial" panose="020B0604020202020204" pitchFamily="34" charset="0"/>
-              </a:rPr>
-              <a:t>Click on the </a:t>
-            </a:r>
-            <a:r>
-              <a:rPr kumimoji="0" lang="en-US" altLang="en-US" sz="2200" b="1" i="0" u="none" strike="noStrike" cap="none" normalizeH="0" dirty="0">
-                <a:ln>
-                  <a:noFill/>
-                </a:ln>
-                <a:effectLst/>
-                <a:latin typeface="Arial" panose="020B0604020202020204" pitchFamily="34" charset="0"/>
-                <a:cs typeface="Arial" panose="020B0604020202020204" pitchFamily="34" charset="0"/>
-              </a:rPr>
-              <a:t>Identity</a:t>
-            </a:r>
-            <a:r>
-              <a:rPr kumimoji="0" lang="en-US" altLang="en-US" sz="2200" i="0" u="none" strike="noStrike" cap="none" normalizeH="0" dirty="0">
-                <a:ln>
-                  <a:noFill/>
-                </a:ln>
-                <a:effectLst/>
-                <a:latin typeface="Arial" panose="020B0604020202020204" pitchFamily="34" charset="0"/>
-                <a:cs typeface="Arial" panose="020B0604020202020204" pitchFamily="34" charset="0"/>
-              </a:rPr>
-              <a:t>.</a:t>
-            </a:r>
-          </a:p>
-          <a:p>
-            <a:pPr marL="914400" lvl="1" indent="-457200" eaLnBrk="0" fontAlgn="base" hangingPunct="0">
+              <a:rPr lang="en-US" altLang="en-US" sz="2200" b="1" dirty="0">
+                <a:latin typeface="Arial" panose="020B0604020202020204" pitchFamily="34" charset="0"/>
+                <a:cs typeface="Arial" panose="020B0604020202020204" pitchFamily="34" charset="0"/>
+              </a:rPr>
+              <a:t>Download</a:t>
+            </a:r>
+            <a:r>
+              <a:rPr lang="en-US" altLang="en-US" sz="2200" dirty="0">
+                <a:latin typeface="Arial" panose="020B0604020202020204" pitchFamily="34" charset="0"/>
+                <a:cs typeface="Arial" panose="020B0604020202020204" pitchFamily="34" charset="0"/>
+              </a:rPr>
+              <a:t> the private key and keep it safe (</a:t>
+            </a:r>
+            <a:r>
+              <a:rPr lang="en-US" altLang="en-US" sz="2200" b="1" i="1" dirty="0">
+                <a:latin typeface="Arial" panose="020B0604020202020204" pitchFamily="34" charset="0"/>
+                <a:cs typeface="Arial" panose="020B0604020202020204" pitchFamily="34" charset="0"/>
+              </a:rPr>
+              <a:t>Not</a:t>
+            </a:r>
+            <a:r>
+              <a:rPr lang="en-US" altLang="en-US" sz="2200" i="1" dirty="0">
+                <a:latin typeface="Arial" panose="020B0604020202020204" pitchFamily="34" charset="0"/>
+                <a:cs typeface="Arial" panose="020B0604020202020204" pitchFamily="34" charset="0"/>
+              </a:rPr>
+              <a:t> on GitHub or other public sites ;-) ). </a:t>
+            </a:r>
+            <a:endParaRPr lang="en-US" altLang="en-US" sz="2200" dirty="0">
+              <a:latin typeface="Arial" panose="020B0604020202020204" pitchFamily="34" charset="0"/>
+              <a:cs typeface="Arial" panose="020B0604020202020204" pitchFamily="34" charset="0"/>
+            </a:endParaRPr>
+          </a:p>
+          <a:p>
+            <a:pPr marL="457200" indent="-457200" eaLnBrk="0" fontAlgn="base" hangingPunct="0">
               <a:lnSpc>
                 <a:spcPct val="100000"/>
               </a:lnSpc>
@@ -22262,146 +22317,7 @@
               <a:buFont typeface="+mj-lt"/>
               <a:buAutoNum type="arabicPeriod"/>
             </a:pPr>
-            <a:r>
-              <a:rPr lang="en-US" altLang="en-US" sz="2200" dirty="0">
-                <a:latin typeface="Arial" panose="020B0604020202020204" pitchFamily="34" charset="0"/>
-                <a:cs typeface="Arial" panose="020B0604020202020204" pitchFamily="34" charset="0"/>
-              </a:rPr>
-              <a:t>Click on the </a:t>
-            </a:r>
-            <a:r>
-              <a:rPr lang="en-US" altLang="en-US" sz="2200" b="1" dirty="0">
-                <a:latin typeface="Arial" panose="020B0604020202020204" pitchFamily="34" charset="0"/>
-                <a:cs typeface="Arial" panose="020B0604020202020204" pitchFamily="34" charset="0"/>
-              </a:rPr>
-              <a:t>Application Credentials</a:t>
-            </a:r>
-            <a:r>
-              <a:rPr lang="en-US" altLang="en-US" sz="2200" dirty="0">
-                <a:latin typeface="Arial" panose="020B0604020202020204" pitchFamily="34" charset="0"/>
-                <a:cs typeface="Arial" panose="020B0604020202020204" pitchFamily="34" charset="0"/>
-              </a:rPr>
-              <a:t>.</a:t>
-            </a:r>
-          </a:p>
-          <a:p>
-            <a:pPr marL="914400" lvl="1" indent="-457200" eaLnBrk="0" fontAlgn="base" hangingPunct="0">
-              <a:lnSpc>
-                <a:spcPct val="100000"/>
-              </a:lnSpc>
-              <a:spcBef>
-                <a:spcPts val="1200"/>
-              </a:spcBef>
-              <a:spcAft>
-                <a:spcPts val="1200"/>
-              </a:spcAft>
-              <a:buFont typeface="+mj-lt"/>
-              <a:buAutoNum type="arabicPeriod"/>
-            </a:pPr>
-            <a:r>
-              <a:rPr kumimoji="0" lang="en-US" altLang="en-US" sz="2200" i="0" u="none" strike="noStrike" cap="none" normalizeH="0" dirty="0">
-                <a:ln>
-                  <a:noFill/>
-                </a:ln>
-                <a:effectLst/>
-                <a:latin typeface="Arial" panose="020B0604020202020204" pitchFamily="34" charset="0"/>
-                <a:cs typeface="Arial" panose="020B0604020202020204" pitchFamily="34" charset="0"/>
-              </a:rPr>
-              <a:t>Click on the </a:t>
-            </a:r>
-            <a:r>
-              <a:rPr kumimoji="0" lang="en-US" altLang="en-US" sz="2200" b="1" i="0" u="none" strike="noStrike" cap="none" normalizeH="0" dirty="0">
-                <a:ln>
-                  <a:noFill/>
-                </a:ln>
-                <a:effectLst/>
-                <a:latin typeface="Arial" panose="020B0604020202020204" pitchFamily="34" charset="0"/>
-                <a:cs typeface="Arial" panose="020B0604020202020204" pitchFamily="34" charset="0"/>
-              </a:rPr>
-              <a:t>Create Application Credentials</a:t>
-            </a:r>
-            <a:r>
-              <a:rPr kumimoji="0" lang="en-US" altLang="en-US" sz="2200" i="0" u="none" strike="noStrike" cap="none" normalizeH="0" dirty="0">
-                <a:ln>
-                  <a:noFill/>
-                </a:ln>
-                <a:effectLst/>
-                <a:latin typeface="Arial" panose="020B0604020202020204" pitchFamily="34" charset="0"/>
-                <a:cs typeface="Arial" panose="020B0604020202020204" pitchFamily="34" charset="0"/>
-              </a:rPr>
-              <a:t>.</a:t>
-            </a:r>
-          </a:p>
-          <a:p>
-            <a:pPr marL="914400" lvl="1" indent="-457200" eaLnBrk="0" fontAlgn="base" hangingPunct="0">
-              <a:lnSpc>
-                <a:spcPct val="100000"/>
-              </a:lnSpc>
-              <a:spcBef>
-                <a:spcPts val="1200"/>
-              </a:spcBef>
-              <a:spcAft>
-                <a:spcPts val="1200"/>
-              </a:spcAft>
-              <a:buFont typeface="+mj-lt"/>
-              <a:buAutoNum type="arabicPeriod"/>
-            </a:pPr>
-            <a:r>
-              <a:rPr kumimoji="0" lang="en-US" altLang="en-US" sz="2200" i="0" u="none" strike="noStrike" cap="none" normalizeH="0" dirty="0">
-                <a:ln>
-                  <a:noFill/>
-                </a:ln>
-                <a:effectLst/>
-                <a:latin typeface="Arial" panose="020B0604020202020204" pitchFamily="34" charset="0"/>
-                <a:cs typeface="Arial" panose="020B0604020202020204" pitchFamily="34" charset="0"/>
-              </a:rPr>
-              <a:t>Add a </a:t>
-            </a:r>
-            <a:r>
-              <a:rPr kumimoji="0" lang="en-US" altLang="en-US" sz="2200" b="1" i="0" u="none" strike="noStrike" cap="none" normalizeH="0" dirty="0">
-                <a:ln>
-                  <a:noFill/>
-                </a:ln>
-                <a:effectLst/>
-                <a:latin typeface="Arial" panose="020B0604020202020204" pitchFamily="34" charset="0"/>
-                <a:cs typeface="Arial" panose="020B0604020202020204" pitchFamily="34" charset="0"/>
-              </a:rPr>
-              <a:t>Name</a:t>
-            </a:r>
-            <a:r>
-              <a:rPr kumimoji="0" lang="en-US" altLang="en-US" sz="2200" i="0" u="none" strike="noStrike" cap="none" normalizeH="0" dirty="0">
-                <a:ln>
-                  <a:noFill/>
-                </a:ln>
-                <a:effectLst/>
-                <a:latin typeface="Arial" panose="020B0604020202020204" pitchFamily="34" charset="0"/>
-                <a:cs typeface="Arial" panose="020B0604020202020204" pitchFamily="34" charset="0"/>
-              </a:rPr>
-              <a:t> and a </a:t>
-            </a:r>
-            <a:r>
-              <a:rPr kumimoji="0" lang="en-US" altLang="en-US" sz="2200" b="1" i="0" u="none" strike="noStrike" cap="none" normalizeH="0" dirty="0">
-                <a:ln>
-                  <a:noFill/>
-                </a:ln>
-                <a:effectLst/>
-                <a:latin typeface="Arial" panose="020B0604020202020204" pitchFamily="34" charset="0"/>
-                <a:cs typeface="Arial" panose="020B0604020202020204" pitchFamily="34" charset="0"/>
-              </a:rPr>
-              <a:t>Description</a:t>
-            </a:r>
-            <a:r>
-              <a:rPr kumimoji="0" lang="en-US" altLang="en-US" sz="2200" i="0" u="none" strike="noStrike" cap="none" normalizeH="0" dirty="0">
-                <a:ln>
-                  <a:noFill/>
-                </a:ln>
-                <a:effectLst/>
-                <a:latin typeface="Arial" panose="020B0604020202020204" pitchFamily="34" charset="0"/>
-                <a:cs typeface="Arial" panose="020B0604020202020204" pitchFamily="34" charset="0"/>
-              </a:rPr>
-              <a:t>.</a:t>
-            </a:r>
-            <a:endParaRPr kumimoji="0" lang="en-US" altLang="en-US" sz="2200" b="1" i="0" u="none" strike="noStrike" cap="none" normalizeH="0" dirty="0">
+            <a:endParaRPr kumimoji="0" lang="en-US" altLang="en-US" sz="2200" b="0" i="0" u="none" strike="noStrike" cap="none" normalizeH="0" dirty="0">
               <a:ln>
                 <a:noFill/>
               </a:ln>
@@ -22411,7 +22327,7 @@
             </a:endParaRPr>
           </a:p>
           <a:p>
-            <a:pPr marL="914400" lvl="1" indent="-457200" eaLnBrk="0" fontAlgn="base" hangingPunct="0">
+            <a:pPr marL="457200" indent="-457200" eaLnBrk="0" fontAlgn="base" hangingPunct="0">
               <a:lnSpc>
                 <a:spcPct val="100000"/>
               </a:lnSpc>
@@ -22424,63 +22340,7 @@
               <a:buFont typeface="+mj-lt"/>
               <a:buAutoNum type="arabicPeriod"/>
             </a:pPr>
-            <a:r>
-              <a:rPr lang="en-US" altLang="en-US" sz="2200" dirty="0">
-                <a:latin typeface="Arial" panose="020B0604020202020204" pitchFamily="34" charset="0"/>
-                <a:cs typeface="Arial" panose="020B0604020202020204" pitchFamily="34" charset="0"/>
-              </a:rPr>
-              <a:t>Click on the </a:t>
-            </a:r>
-            <a:r>
-              <a:rPr lang="en-US" altLang="en-US" sz="2200" b="1" dirty="0">
-                <a:latin typeface="Arial" panose="020B0604020202020204" pitchFamily="34" charset="0"/>
-                <a:cs typeface="Arial" panose="020B0604020202020204" pitchFamily="34" charset="0"/>
-              </a:rPr>
-              <a:t>Create</a:t>
-            </a:r>
-            <a:r>
-              <a:rPr lang="en-US" altLang="en-US" sz="2200" dirty="0">
-                <a:latin typeface="Arial" panose="020B0604020202020204" pitchFamily="34" charset="0"/>
-                <a:cs typeface="Arial" panose="020B0604020202020204" pitchFamily="34" charset="0"/>
-              </a:rPr>
-              <a:t> </a:t>
-            </a:r>
-            <a:r>
-              <a:rPr lang="en-US" altLang="en-US" sz="2200" b="1" dirty="0">
-                <a:latin typeface="Arial" panose="020B0604020202020204" pitchFamily="34" charset="0"/>
-                <a:cs typeface="Arial" panose="020B0604020202020204" pitchFamily="34" charset="0"/>
-              </a:rPr>
-              <a:t>Application Credential </a:t>
-            </a:r>
-            <a:r>
-              <a:rPr lang="en-US" altLang="en-US" sz="2200" dirty="0">
-                <a:latin typeface="Arial" panose="020B0604020202020204" pitchFamily="34" charset="0"/>
-                <a:cs typeface="Arial" panose="020B0604020202020204" pitchFamily="34" charset="0"/>
-              </a:rPr>
-              <a:t>and download the </a:t>
-            </a:r>
-            <a:r>
-              <a:rPr lang="en-US" altLang="en-US" sz="2200" b="1" dirty="0" err="1">
-                <a:latin typeface="Arial" panose="020B0604020202020204" pitchFamily="34" charset="0"/>
-                <a:cs typeface="Arial" panose="020B0604020202020204" pitchFamily="34" charset="0"/>
-              </a:rPr>
-              <a:t>openrc</a:t>
-            </a:r>
-            <a:r>
-              <a:rPr lang="en-US" altLang="en-US" sz="2200" b="1" dirty="0">
-                <a:latin typeface="Arial" panose="020B0604020202020204" pitchFamily="34" charset="0"/>
-                <a:cs typeface="Arial" panose="020B0604020202020204" pitchFamily="34" charset="0"/>
-              </a:rPr>
-              <a:t> </a:t>
-            </a:r>
-            <a:r>
-              <a:rPr lang="en-US" altLang="en-US" sz="2200" dirty="0">
-                <a:latin typeface="Arial" panose="020B0604020202020204" pitchFamily="34" charset="0"/>
-                <a:cs typeface="Arial" panose="020B0604020202020204" pitchFamily="34" charset="0"/>
-              </a:rPr>
-              <a:t>file. </a:t>
-            </a:r>
-            <a:endParaRPr kumimoji="0" lang="en-US" altLang="en-US" sz="2200" b="0" i="0" u="none" strike="noStrike" cap="none" normalizeH="0" baseline="0" dirty="0">
+            <a:endParaRPr kumimoji="0" lang="en-US" altLang="en-US" sz="2200" b="0" i="0" u="none" strike="noStrike" cap="none" normalizeH="0" dirty="0">
               <a:ln>
                 <a:noFill/>
               </a:ln>
@@ -22547,6 +22407,712 @@
                 <a:latin typeface="Arial" panose="020B0604020202020204" pitchFamily="34" charset="0"/>
                 <a:cs typeface="Arial" panose="020B0604020202020204" pitchFamily="34" charset="0"/>
               </a:rPr>
+              <a:t>Generate SSH keys</a:t>
+            </a:r>
+          </a:p>
+        </p:txBody>
+      </p:sp>
+      <p:pic>
+        <p:nvPicPr>
+          <p:cNvPr id="5" name="Picture 4">
+            <a:extLst>
+              <a:ext uri="{FF2B5EF4-FFF2-40B4-BE49-F238E27FC236}">
+                <a16:creationId xmlns:a16="http://schemas.microsoft.com/office/drawing/2014/main" id="{D18F905F-4C19-355B-2FCF-EADBE3773EF6}"/>
+              </a:ext>
+            </a:extLst>
+          </p:cNvPr>
+          <p:cNvPicPr>
+            <a:picLocks noChangeAspect="1"/>
+          </p:cNvPicPr>
+          <p:nvPr/>
+        </p:nvPicPr>
+        <p:blipFill>
+          <a:blip r:embed="rId3"/>
+          <a:stretch>
+            <a:fillRect/>
+          </a:stretch>
+        </p:blipFill>
+        <p:spPr>
+          <a:xfrm>
+            <a:off x="7745506" y="100836"/>
+            <a:ext cx="4258235" cy="6656328"/>
+          </a:xfrm>
+          <a:prstGeom prst="rect">
+            <a:avLst/>
+          </a:prstGeom>
+        </p:spPr>
+      </p:pic>
+      <p:cxnSp>
+        <p:nvCxnSpPr>
+          <p:cNvPr id="8" name="Straight Arrow Connector 7">
+            <a:extLst>
+              <a:ext uri="{FF2B5EF4-FFF2-40B4-BE49-F238E27FC236}">
+                <a16:creationId xmlns:a16="http://schemas.microsoft.com/office/drawing/2014/main" id="{D1670D67-525E-590B-A1CC-CEC3B7D96816}"/>
+              </a:ext>
+            </a:extLst>
+          </p:cNvPr>
+          <p:cNvCxnSpPr/>
+          <p:nvPr/>
+        </p:nvCxnSpPr>
+        <p:spPr>
+          <a:xfrm flipV="1">
+            <a:off x="7412542" y="1461248"/>
+            <a:ext cx="537882" cy="215153"/>
+          </a:xfrm>
+          <a:prstGeom prst="straightConnector1">
+            <a:avLst/>
+          </a:prstGeom>
+          <a:ln w="38100" cap="flat" cmpd="sng" algn="ctr">
+            <a:solidFill>
+              <a:schemeClr val="accent1"/>
+            </a:solidFill>
+            <a:prstDash val="solid"/>
+            <a:round/>
+            <a:headEnd type="none" w="med" len="med"/>
+            <a:tailEnd type="arrow" w="med" len="med"/>
+          </a:ln>
+        </p:spPr>
+        <p:style>
+          <a:lnRef idx="0">
+            <a:scrgbClr r="0" g="0" b="0"/>
+          </a:lnRef>
+          <a:fillRef idx="0">
+            <a:scrgbClr r="0" g="0" b="0"/>
+          </a:fillRef>
+          <a:effectRef idx="0">
+            <a:scrgbClr r="0" g="0" b="0"/>
+          </a:effectRef>
+          <a:fontRef idx="minor">
+            <a:schemeClr val="tx1"/>
+          </a:fontRef>
+        </p:style>
+      </p:cxnSp>
+      <p:cxnSp>
+        <p:nvCxnSpPr>
+          <p:cNvPr id="9" name="Straight Arrow Connector 8">
+            <a:extLst>
+              <a:ext uri="{FF2B5EF4-FFF2-40B4-BE49-F238E27FC236}">
+                <a16:creationId xmlns:a16="http://schemas.microsoft.com/office/drawing/2014/main" id="{DDEE4024-0F89-A4CC-C960-BC21B23ACCFB}"/>
+              </a:ext>
+            </a:extLst>
+          </p:cNvPr>
+          <p:cNvCxnSpPr>
+            <a:cxnSpLocks/>
+          </p:cNvCxnSpPr>
+          <p:nvPr/>
+        </p:nvCxnSpPr>
+        <p:spPr>
+          <a:xfrm flipH="1" flipV="1">
+            <a:off x="10434918" y="5669044"/>
+            <a:ext cx="905435" cy="561426"/>
+          </a:xfrm>
+          <a:prstGeom prst="straightConnector1">
+            <a:avLst/>
+          </a:prstGeom>
+          <a:ln w="38100" cap="flat" cmpd="sng" algn="ctr">
+            <a:solidFill>
+              <a:schemeClr val="accent1"/>
+            </a:solidFill>
+            <a:prstDash val="solid"/>
+            <a:round/>
+            <a:headEnd type="none" w="med" len="med"/>
+            <a:tailEnd type="arrow" w="med" len="med"/>
+          </a:ln>
+        </p:spPr>
+        <p:style>
+          <a:lnRef idx="0">
+            <a:scrgbClr r="0" g="0" b="0"/>
+          </a:lnRef>
+          <a:fillRef idx="0">
+            <a:scrgbClr r="0" g="0" b="0"/>
+          </a:fillRef>
+          <a:effectRef idx="0">
+            <a:scrgbClr r="0" g="0" b="0"/>
+          </a:effectRef>
+          <a:fontRef idx="minor">
+            <a:schemeClr val="tx1"/>
+          </a:fontRef>
+        </p:style>
+      </p:cxnSp>
+    </p:spTree>
+    <p:extLst>
+      <p:ext uri="{BB962C8B-B14F-4D97-AF65-F5344CB8AC3E}">
+        <p14:creationId xmlns:p14="http://schemas.microsoft.com/office/powerpoint/2010/main" val="2281777983"/>
+      </p:ext>
+    </p:extLst>
+  </p:cSld>
+  <p:clrMapOvr>
+    <a:masterClrMapping/>
+  </p:clrMapOvr>
+</p:sld>
+</file>
+
+<file path=ppt/slides/slide32.xml><?xml version="1.0" encoding="utf-8"?>
+<p:sld xmlns:a="http://schemas.openxmlformats.org/drawingml/2006/main" xmlns:r="http://schemas.openxmlformats.org/officeDocument/2006/relationships" xmlns:p="http://schemas.openxmlformats.org/presentationml/2006/main">
+  <p:cSld>
+    <p:spTree>
+      <p:nvGrpSpPr>
+        <p:cNvPr id="1" name="">
+          <a:extLst>
+            <a:ext uri="{FF2B5EF4-FFF2-40B4-BE49-F238E27FC236}">
+              <a16:creationId xmlns:a16="http://schemas.microsoft.com/office/drawing/2014/main" id="{FA792FD2-E535-04BF-580C-D7C6E40EDB9E}"/>
+            </a:ext>
+          </a:extLst>
+        </p:cNvPr>
+        <p:cNvGrpSpPr/>
+        <p:nvPr/>
+      </p:nvGrpSpPr>
+      <p:grpSpPr>
+        <a:xfrm>
+          <a:off x="0" y="0"/>
+          <a:ext cx="0" cy="0"/>
+          <a:chOff x="0" y="0"/>
+          <a:chExt cx="0" cy="0"/>
+        </a:xfrm>
+      </p:grpSpPr>
+      <p:sp>
+        <p:nvSpPr>
+          <p:cNvPr id="3" name="Content Placeholder 2">
+            <a:extLst>
+              <a:ext uri="{FF2B5EF4-FFF2-40B4-BE49-F238E27FC236}">
+                <a16:creationId xmlns:a16="http://schemas.microsoft.com/office/drawing/2014/main" id="{94D2D0D0-7F7E-84BF-1710-418814D33715}"/>
+              </a:ext>
+            </a:extLst>
+          </p:cNvPr>
+          <p:cNvSpPr>
+            <a:spLocks noGrp="1"/>
+          </p:cNvSpPr>
+          <p:nvPr>
+            <p:ph idx="1"/>
+          </p:nvPr>
+        </p:nvSpPr>
+        <p:spPr>
+          <a:xfrm>
+            <a:off x="312419" y="1215850"/>
+            <a:ext cx="11675265" cy="5454309"/>
+          </a:xfrm>
+        </p:spPr>
+        <p:txBody>
+          <a:bodyPr>
+            <a:noAutofit/>
+          </a:bodyPr>
+          <a:lstStyle/>
+          <a:p>
+            <a:pPr marL="457200" indent="-457200" eaLnBrk="0" fontAlgn="base" hangingPunct="0">
+              <a:lnSpc>
+                <a:spcPct val="100000"/>
+              </a:lnSpc>
+              <a:spcBef>
+                <a:spcPts val="1200"/>
+              </a:spcBef>
+              <a:spcAft>
+                <a:spcPts val="1200"/>
+              </a:spcAft>
+              <a:buFont typeface="+mj-lt"/>
+              <a:buAutoNum type="arabicPeriod"/>
+            </a:pPr>
+            <a:r>
+              <a:rPr kumimoji="0" lang="en-US" altLang="en-US" sz="2200" b="0" i="0" u="none" strike="noStrike" cap="none" normalizeH="0" dirty="0">
+                <a:ln>
+                  <a:noFill/>
+                </a:ln>
+                <a:effectLst/>
+                <a:latin typeface="Arial" panose="020B0604020202020204" pitchFamily="34" charset="0"/>
+                <a:cs typeface="Arial" panose="020B0604020202020204" pitchFamily="34" charset="0"/>
+              </a:rPr>
+              <a:t>Log in to </a:t>
+            </a:r>
+            <a:r>
+              <a:rPr kumimoji="0" lang="en-US" altLang="en-US" sz="2200" b="0" i="0" u="none" strike="noStrike" cap="none" normalizeH="0" dirty="0">
+                <a:ln>
+                  <a:noFill/>
+                </a:ln>
+                <a:effectLst/>
+                <a:latin typeface="Arial" panose="020B0604020202020204" pitchFamily="34" charset="0"/>
+                <a:cs typeface="Arial" panose="020B0604020202020204" pitchFamily="34" charset="0"/>
+                <a:hlinkClick r:id="rId2"/>
+              </a:rPr>
+              <a:t>https://cloud.denbi.de</a:t>
+            </a:r>
+            <a:r>
+              <a:rPr kumimoji="0" lang="en-US" altLang="en-US" sz="2200" b="0" i="0" u="none" strike="noStrike" cap="none" normalizeH="0" dirty="0">
+                <a:ln>
+                  <a:noFill/>
+                </a:ln>
+                <a:effectLst/>
+                <a:latin typeface="Arial" panose="020B0604020202020204" pitchFamily="34" charset="0"/>
+                <a:cs typeface="Arial" panose="020B0604020202020204" pitchFamily="34" charset="0"/>
+              </a:rPr>
+              <a:t>.</a:t>
+            </a:r>
+          </a:p>
+          <a:p>
+            <a:pPr marL="457200" indent="-457200" eaLnBrk="0" fontAlgn="base" hangingPunct="0">
+              <a:lnSpc>
+                <a:spcPct val="100000"/>
+              </a:lnSpc>
+              <a:spcBef>
+                <a:spcPts val="1200"/>
+              </a:spcBef>
+              <a:spcAft>
+                <a:spcPts val="1200"/>
+              </a:spcAft>
+              <a:buFont typeface="+mj-lt"/>
+              <a:buAutoNum type="arabicPeriod"/>
+            </a:pPr>
+            <a:r>
+              <a:rPr lang="en-US" altLang="en-US" sz="2200" dirty="0">
+                <a:latin typeface="Arial" panose="020B0604020202020204" pitchFamily="34" charset="0"/>
+                <a:cs typeface="Arial" panose="020B0604020202020204" pitchFamily="34" charset="0"/>
+              </a:rPr>
+              <a:t>Select the </a:t>
+            </a:r>
+            <a:r>
+              <a:rPr lang="en-US" altLang="en-US" sz="2200" b="1" dirty="0">
+                <a:latin typeface="Arial" panose="020B0604020202020204" pitchFamily="34" charset="0"/>
+                <a:cs typeface="Arial" panose="020B0604020202020204" pitchFamily="34" charset="0"/>
+              </a:rPr>
+              <a:t>CLUM20251</a:t>
+            </a:r>
+            <a:r>
+              <a:rPr lang="en-US" altLang="en-US" sz="2200" dirty="0">
+                <a:latin typeface="Arial" panose="020B0604020202020204" pitchFamily="34" charset="0"/>
+                <a:cs typeface="Arial" panose="020B0604020202020204" pitchFamily="34" charset="0"/>
+              </a:rPr>
+              <a:t> project on the left panel under </a:t>
+            </a:r>
+            <a:r>
+              <a:rPr lang="en-US" altLang="en-US" sz="2200" b="1" dirty="0">
+                <a:latin typeface="Arial" panose="020B0604020202020204" pitchFamily="34" charset="0"/>
+                <a:cs typeface="Arial" panose="020B0604020202020204" pitchFamily="34" charset="0"/>
+              </a:rPr>
+              <a:t>Projects</a:t>
+            </a:r>
+            <a:r>
+              <a:rPr lang="en-US" altLang="en-US" sz="2200" dirty="0">
+                <a:latin typeface="Arial" panose="020B0604020202020204" pitchFamily="34" charset="0"/>
+                <a:cs typeface="Arial" panose="020B0604020202020204" pitchFamily="34" charset="0"/>
+              </a:rPr>
+              <a:t>.</a:t>
+            </a:r>
+          </a:p>
+          <a:p>
+            <a:pPr marL="457200" indent="-457200" eaLnBrk="0" fontAlgn="base" hangingPunct="0">
+              <a:lnSpc>
+                <a:spcPct val="100000"/>
+              </a:lnSpc>
+              <a:spcBef>
+                <a:spcPts val="1200"/>
+              </a:spcBef>
+              <a:spcAft>
+                <a:spcPts val="1200"/>
+              </a:spcAft>
+              <a:buFont typeface="+mj-lt"/>
+              <a:buAutoNum type="arabicPeriod"/>
+            </a:pPr>
+            <a:r>
+              <a:rPr kumimoji="0" lang="en-US" altLang="en-US" sz="2200" i="0" u="none" strike="noStrike" cap="none" normalizeH="0" dirty="0">
+                <a:ln>
+                  <a:noFill/>
+                </a:ln>
+                <a:effectLst/>
+                <a:latin typeface="Arial" panose="020B0604020202020204" pitchFamily="34" charset="0"/>
+                <a:cs typeface="Arial" panose="020B0604020202020204" pitchFamily="34" charset="0"/>
+              </a:rPr>
+              <a:t>Click on the </a:t>
+            </a:r>
+            <a:r>
+              <a:rPr kumimoji="0" lang="en-US" altLang="en-US" sz="2200" b="1" i="0" u="none" strike="noStrike" cap="none" normalizeH="0" dirty="0">
+                <a:ln>
+                  <a:noFill/>
+                </a:ln>
+                <a:effectLst/>
+                <a:latin typeface="Arial" panose="020B0604020202020204" pitchFamily="34" charset="0"/>
+                <a:cs typeface="Arial" panose="020B0604020202020204" pitchFamily="34" charset="0"/>
+              </a:rPr>
+              <a:t>Login to OpenStack</a:t>
+            </a:r>
+            <a:r>
+              <a:rPr kumimoji="0" lang="en-US" altLang="en-US" sz="2200" i="0" u="none" strike="noStrike" cap="none" normalizeH="0" dirty="0">
+                <a:ln>
+                  <a:noFill/>
+                </a:ln>
+                <a:effectLst/>
+                <a:latin typeface="Arial" panose="020B0604020202020204" pitchFamily="34" charset="0"/>
+                <a:cs typeface="Arial" panose="020B0604020202020204" pitchFamily="34" charset="0"/>
+              </a:rPr>
+              <a:t>.</a:t>
+            </a:r>
+          </a:p>
+          <a:p>
+            <a:pPr marL="457200" indent="-457200" eaLnBrk="0" fontAlgn="base" hangingPunct="0">
+              <a:lnSpc>
+                <a:spcPct val="100000"/>
+              </a:lnSpc>
+              <a:spcBef>
+                <a:spcPts val="1200"/>
+              </a:spcBef>
+              <a:spcAft>
+                <a:spcPts val="1200"/>
+              </a:spcAft>
+              <a:buFont typeface="+mj-lt"/>
+              <a:buAutoNum type="arabicPeriod"/>
+            </a:pPr>
+            <a:r>
+              <a:rPr lang="en-US" altLang="en-US" sz="2200" dirty="0">
+                <a:latin typeface="Arial" panose="020B0604020202020204" pitchFamily="34" charset="0"/>
+                <a:cs typeface="Arial" panose="020B0604020202020204" pitchFamily="34" charset="0"/>
+              </a:rPr>
+              <a:t>In the left panel of the OpenStack dashboard</a:t>
+            </a:r>
+          </a:p>
+          <a:p>
+            <a:pPr marL="914400" lvl="1" indent="-457200" eaLnBrk="0" fontAlgn="base" hangingPunct="0">
+              <a:lnSpc>
+                <a:spcPct val="100000"/>
+              </a:lnSpc>
+              <a:spcBef>
+                <a:spcPts val="1200"/>
+              </a:spcBef>
+              <a:spcAft>
+                <a:spcPts val="1200"/>
+              </a:spcAft>
+              <a:buFont typeface="+mj-lt"/>
+              <a:buAutoNum type="arabicPeriod"/>
+            </a:pPr>
+            <a:r>
+              <a:rPr kumimoji="0" lang="en-US" altLang="en-US" sz="2200" i="0" u="none" strike="noStrike" cap="none" normalizeH="0" dirty="0">
+                <a:ln>
+                  <a:noFill/>
+                </a:ln>
+                <a:effectLst/>
+                <a:latin typeface="Arial" panose="020B0604020202020204" pitchFamily="34" charset="0"/>
+                <a:cs typeface="Arial" panose="020B0604020202020204" pitchFamily="34" charset="0"/>
+              </a:rPr>
+              <a:t>Click on the </a:t>
+            </a:r>
+            <a:r>
+              <a:rPr kumimoji="0" lang="en-US" altLang="en-US" sz="2200" b="1" i="0" u="none" strike="noStrike" cap="none" normalizeH="0" dirty="0">
+                <a:ln>
+                  <a:noFill/>
+                </a:ln>
+                <a:effectLst/>
+                <a:latin typeface="Arial" panose="020B0604020202020204" pitchFamily="34" charset="0"/>
+                <a:cs typeface="Arial" panose="020B0604020202020204" pitchFamily="34" charset="0"/>
+              </a:rPr>
+              <a:t>Identity</a:t>
+            </a:r>
+            <a:r>
+              <a:rPr kumimoji="0" lang="en-US" altLang="en-US" sz="2200" i="0" u="none" strike="noStrike" cap="none" normalizeH="0" dirty="0">
+                <a:ln>
+                  <a:noFill/>
+                </a:ln>
+                <a:effectLst/>
+                <a:latin typeface="Arial" panose="020B0604020202020204" pitchFamily="34" charset="0"/>
+                <a:cs typeface="Arial" panose="020B0604020202020204" pitchFamily="34" charset="0"/>
+              </a:rPr>
+              <a:t>.</a:t>
+            </a:r>
+          </a:p>
+          <a:p>
+            <a:pPr marL="914400" lvl="1" indent="-457200" eaLnBrk="0" fontAlgn="base" hangingPunct="0">
+              <a:lnSpc>
+                <a:spcPct val="100000"/>
+              </a:lnSpc>
+              <a:spcBef>
+                <a:spcPts val="1200"/>
+              </a:spcBef>
+              <a:spcAft>
+                <a:spcPts val="1200"/>
+              </a:spcAft>
+              <a:buFont typeface="+mj-lt"/>
+              <a:buAutoNum type="arabicPeriod"/>
+            </a:pPr>
+            <a:r>
+              <a:rPr lang="en-US" altLang="en-US" sz="2200" dirty="0">
+                <a:latin typeface="Arial" panose="020B0604020202020204" pitchFamily="34" charset="0"/>
+                <a:cs typeface="Arial" panose="020B0604020202020204" pitchFamily="34" charset="0"/>
+              </a:rPr>
+              <a:t>Click on the </a:t>
+            </a:r>
+            <a:r>
+              <a:rPr lang="en-US" altLang="en-US" sz="2200" b="1" dirty="0">
+                <a:latin typeface="Arial" panose="020B0604020202020204" pitchFamily="34" charset="0"/>
+                <a:cs typeface="Arial" panose="020B0604020202020204" pitchFamily="34" charset="0"/>
+              </a:rPr>
+              <a:t>Application Credentials</a:t>
+            </a:r>
+            <a:r>
+              <a:rPr lang="en-US" altLang="en-US" sz="2200" dirty="0">
+                <a:latin typeface="Arial" panose="020B0604020202020204" pitchFamily="34" charset="0"/>
+                <a:cs typeface="Arial" panose="020B0604020202020204" pitchFamily="34" charset="0"/>
+              </a:rPr>
+              <a:t>.</a:t>
+            </a:r>
+          </a:p>
+          <a:p>
+            <a:pPr marL="914400" lvl="1" indent="-457200" eaLnBrk="0" fontAlgn="base" hangingPunct="0">
+              <a:lnSpc>
+                <a:spcPct val="100000"/>
+              </a:lnSpc>
+              <a:spcBef>
+                <a:spcPts val="1200"/>
+              </a:spcBef>
+              <a:spcAft>
+                <a:spcPts val="1200"/>
+              </a:spcAft>
+              <a:buFont typeface="+mj-lt"/>
+              <a:buAutoNum type="arabicPeriod"/>
+            </a:pPr>
+            <a:r>
+              <a:rPr kumimoji="0" lang="en-US" altLang="en-US" sz="2200" i="0" u="none" strike="noStrike" cap="none" normalizeH="0" dirty="0">
+                <a:ln>
+                  <a:noFill/>
+                </a:ln>
+                <a:effectLst/>
+                <a:latin typeface="Arial" panose="020B0604020202020204" pitchFamily="34" charset="0"/>
+                <a:cs typeface="Arial" panose="020B0604020202020204" pitchFamily="34" charset="0"/>
+              </a:rPr>
+              <a:t>Click on the </a:t>
+            </a:r>
+            <a:r>
+              <a:rPr kumimoji="0" lang="en-US" altLang="en-US" sz="2200" b="1" i="0" u="none" strike="noStrike" cap="none" normalizeH="0" dirty="0">
+                <a:ln>
+                  <a:noFill/>
+                </a:ln>
+                <a:effectLst/>
+                <a:latin typeface="Arial" panose="020B0604020202020204" pitchFamily="34" charset="0"/>
+                <a:cs typeface="Arial" panose="020B0604020202020204" pitchFamily="34" charset="0"/>
+              </a:rPr>
+              <a:t>Create Application Credentials</a:t>
+            </a:r>
+            <a:r>
+              <a:rPr kumimoji="0" lang="en-US" altLang="en-US" sz="2200" i="0" u="none" strike="noStrike" cap="none" normalizeH="0" dirty="0">
+                <a:ln>
+                  <a:noFill/>
+                </a:ln>
+                <a:effectLst/>
+                <a:latin typeface="Arial" panose="020B0604020202020204" pitchFamily="34" charset="0"/>
+                <a:cs typeface="Arial" panose="020B0604020202020204" pitchFamily="34" charset="0"/>
+              </a:rPr>
+              <a:t>.</a:t>
+            </a:r>
+          </a:p>
+          <a:p>
+            <a:pPr marL="914400" lvl="1" indent="-457200" eaLnBrk="0" fontAlgn="base" hangingPunct="0">
+              <a:lnSpc>
+                <a:spcPct val="100000"/>
+              </a:lnSpc>
+              <a:spcBef>
+                <a:spcPts val="1200"/>
+              </a:spcBef>
+              <a:spcAft>
+                <a:spcPts val="1200"/>
+              </a:spcAft>
+              <a:buFont typeface="+mj-lt"/>
+              <a:buAutoNum type="arabicPeriod"/>
+            </a:pPr>
+            <a:r>
+              <a:rPr kumimoji="0" lang="en-US" altLang="en-US" sz="2200" i="0" u="none" strike="noStrike" cap="none" normalizeH="0" dirty="0">
+                <a:ln>
+                  <a:noFill/>
+                </a:ln>
+                <a:effectLst/>
+                <a:latin typeface="Arial" panose="020B0604020202020204" pitchFamily="34" charset="0"/>
+                <a:cs typeface="Arial" panose="020B0604020202020204" pitchFamily="34" charset="0"/>
+              </a:rPr>
+              <a:t>Add a </a:t>
+            </a:r>
+            <a:r>
+              <a:rPr kumimoji="0" lang="en-US" altLang="en-US" sz="2200" b="1" i="0" u="none" strike="noStrike" cap="none" normalizeH="0" dirty="0">
+                <a:ln>
+                  <a:noFill/>
+                </a:ln>
+                <a:effectLst/>
+                <a:latin typeface="Arial" panose="020B0604020202020204" pitchFamily="34" charset="0"/>
+                <a:cs typeface="Arial" panose="020B0604020202020204" pitchFamily="34" charset="0"/>
+              </a:rPr>
+              <a:t>Name</a:t>
+            </a:r>
+            <a:r>
+              <a:rPr kumimoji="0" lang="en-US" altLang="en-US" sz="2200" i="0" u="none" strike="noStrike" cap="none" normalizeH="0" dirty="0">
+                <a:ln>
+                  <a:noFill/>
+                </a:ln>
+                <a:effectLst/>
+                <a:latin typeface="Arial" panose="020B0604020202020204" pitchFamily="34" charset="0"/>
+                <a:cs typeface="Arial" panose="020B0604020202020204" pitchFamily="34" charset="0"/>
+              </a:rPr>
+              <a:t> and a </a:t>
+            </a:r>
+            <a:r>
+              <a:rPr kumimoji="0" lang="en-US" altLang="en-US" sz="2200" b="1" i="0" u="none" strike="noStrike" cap="none" normalizeH="0" dirty="0">
+                <a:ln>
+                  <a:noFill/>
+                </a:ln>
+                <a:effectLst/>
+                <a:latin typeface="Arial" panose="020B0604020202020204" pitchFamily="34" charset="0"/>
+                <a:cs typeface="Arial" panose="020B0604020202020204" pitchFamily="34" charset="0"/>
+              </a:rPr>
+              <a:t>Description</a:t>
+            </a:r>
+            <a:r>
+              <a:rPr kumimoji="0" lang="en-US" altLang="en-US" sz="2200" i="0" u="none" strike="noStrike" cap="none" normalizeH="0" dirty="0">
+                <a:ln>
+                  <a:noFill/>
+                </a:ln>
+                <a:effectLst/>
+                <a:latin typeface="Arial" panose="020B0604020202020204" pitchFamily="34" charset="0"/>
+                <a:cs typeface="Arial" panose="020B0604020202020204" pitchFamily="34" charset="0"/>
+              </a:rPr>
+              <a:t>.</a:t>
+            </a:r>
+            <a:endParaRPr kumimoji="0" lang="en-US" altLang="en-US" sz="2200" b="1" i="0" u="none" strike="noStrike" cap="none" normalizeH="0" dirty="0">
+              <a:ln>
+                <a:noFill/>
+              </a:ln>
+              <a:effectLst/>
+              <a:latin typeface="Arial" panose="020B0604020202020204" pitchFamily="34" charset="0"/>
+              <a:cs typeface="Arial" panose="020B0604020202020204" pitchFamily="34" charset="0"/>
+            </a:endParaRPr>
+          </a:p>
+          <a:p>
+            <a:pPr marL="914400" lvl="1" indent="-457200" eaLnBrk="0" fontAlgn="base" hangingPunct="0">
+              <a:lnSpc>
+                <a:spcPct val="100000"/>
+              </a:lnSpc>
+              <a:spcBef>
+                <a:spcPts val="1200"/>
+              </a:spcBef>
+              <a:spcAft>
+                <a:spcPts val="1200"/>
+              </a:spcAft>
+              <a:buFont typeface="+mj-lt"/>
+              <a:buAutoNum type="arabicPeriod"/>
+            </a:pPr>
+            <a:r>
+              <a:rPr lang="en-US" altLang="en-US" sz="2200" dirty="0">
+                <a:latin typeface="Arial" panose="020B0604020202020204" pitchFamily="34" charset="0"/>
+                <a:cs typeface="Arial" panose="020B0604020202020204" pitchFamily="34" charset="0"/>
+              </a:rPr>
+              <a:t>Click on the </a:t>
+            </a:r>
+            <a:r>
+              <a:rPr lang="en-US" altLang="en-US" sz="2200" b="1" dirty="0">
+                <a:latin typeface="Arial" panose="020B0604020202020204" pitchFamily="34" charset="0"/>
+                <a:cs typeface="Arial" panose="020B0604020202020204" pitchFamily="34" charset="0"/>
+              </a:rPr>
+              <a:t>Create</a:t>
+            </a:r>
+            <a:r>
+              <a:rPr lang="en-US" altLang="en-US" sz="2200" dirty="0">
+                <a:latin typeface="Arial" panose="020B0604020202020204" pitchFamily="34" charset="0"/>
+                <a:cs typeface="Arial" panose="020B0604020202020204" pitchFamily="34" charset="0"/>
+              </a:rPr>
+              <a:t> </a:t>
+            </a:r>
+            <a:r>
+              <a:rPr lang="en-US" altLang="en-US" sz="2200" b="1" dirty="0">
+                <a:latin typeface="Arial" panose="020B0604020202020204" pitchFamily="34" charset="0"/>
+                <a:cs typeface="Arial" panose="020B0604020202020204" pitchFamily="34" charset="0"/>
+              </a:rPr>
+              <a:t>Application Credential </a:t>
+            </a:r>
+            <a:r>
+              <a:rPr lang="en-US" altLang="en-US" sz="2200" dirty="0">
+                <a:latin typeface="Arial" panose="020B0604020202020204" pitchFamily="34" charset="0"/>
+                <a:cs typeface="Arial" panose="020B0604020202020204" pitchFamily="34" charset="0"/>
+              </a:rPr>
+              <a:t>and download the </a:t>
+            </a:r>
+            <a:r>
+              <a:rPr lang="en-US" altLang="en-US" sz="2200" b="1" dirty="0" err="1">
+                <a:latin typeface="Arial" panose="020B0604020202020204" pitchFamily="34" charset="0"/>
+                <a:cs typeface="Arial" panose="020B0604020202020204" pitchFamily="34" charset="0"/>
+              </a:rPr>
+              <a:t>openrc</a:t>
+            </a:r>
+            <a:r>
+              <a:rPr lang="en-US" altLang="en-US" sz="2200" b="1" dirty="0">
+                <a:latin typeface="Arial" panose="020B0604020202020204" pitchFamily="34" charset="0"/>
+                <a:cs typeface="Arial" panose="020B0604020202020204" pitchFamily="34" charset="0"/>
+              </a:rPr>
+              <a:t> </a:t>
+            </a:r>
+            <a:r>
+              <a:rPr lang="en-US" altLang="en-US" sz="2200" dirty="0">
+                <a:latin typeface="Arial" panose="020B0604020202020204" pitchFamily="34" charset="0"/>
+                <a:cs typeface="Arial" panose="020B0604020202020204" pitchFamily="34" charset="0"/>
+              </a:rPr>
+              <a:t>file. </a:t>
+            </a:r>
+            <a:endParaRPr kumimoji="0" lang="en-US" altLang="en-US" sz="2200" b="0" i="0" u="none" strike="noStrike" cap="none" normalizeH="0" baseline="0" dirty="0">
+              <a:ln>
+                <a:noFill/>
+              </a:ln>
+              <a:effectLst/>
+              <a:latin typeface="Arial" panose="020B0604020202020204" pitchFamily="34" charset="0"/>
+              <a:cs typeface="Arial" panose="020B0604020202020204" pitchFamily="34" charset="0"/>
+            </a:endParaRPr>
+          </a:p>
+        </p:txBody>
+      </p:sp>
+      <p:sp>
+        <p:nvSpPr>
+          <p:cNvPr id="2" name="Title 1">
+            <a:extLst>
+              <a:ext uri="{FF2B5EF4-FFF2-40B4-BE49-F238E27FC236}">
+                <a16:creationId xmlns:a16="http://schemas.microsoft.com/office/drawing/2014/main" id="{29BECACE-5239-D8BF-AA38-573C2DC05D28}"/>
+              </a:ext>
+            </a:extLst>
+          </p:cNvPr>
+          <p:cNvSpPr>
+            <a:spLocks noGrp="1"/>
+          </p:cNvSpPr>
+          <p:nvPr>
+            <p:ph type="title"/>
+          </p:nvPr>
+        </p:nvSpPr>
+        <p:spPr>
+          <a:xfrm>
+            <a:off x="312420" y="187840"/>
+            <a:ext cx="11567160" cy="838527"/>
+          </a:xfrm>
+        </p:spPr>
+        <p:txBody>
+          <a:bodyPr>
+            <a:normAutofit/>
+          </a:bodyPr>
+          <a:lstStyle/>
+          <a:p>
+            <a:pPr marL="0" marR="0" lvl="0" indent="0" algn="l" defTabSz="914400" rtl="0" eaLnBrk="0" fontAlgn="base" latinLnBrk="0" hangingPunct="0">
+              <a:lnSpc>
+                <a:spcPct val="100000"/>
+              </a:lnSpc>
+              <a:spcBef>
+                <a:spcPct val="0"/>
+              </a:spcBef>
+              <a:spcAft>
+                <a:spcPct val="0"/>
+              </a:spcAft>
+              <a:buClrTx/>
+              <a:buSzTx/>
+              <a:buFontTx/>
+              <a:buNone/>
+              <a:tabLst/>
+            </a:pPr>
+            <a:r>
+              <a:rPr kumimoji="0" lang="en-US" altLang="en-US" b="1" i="0" u="none" strike="noStrike" cap="none" normalizeH="0" baseline="0" dirty="0">
+                <a:ln>
+                  <a:noFill/>
+                </a:ln>
+                <a:solidFill>
+                  <a:srgbClr val="000000"/>
+                </a:solidFill>
+                <a:effectLst/>
+                <a:latin typeface="Arial" panose="020B0604020202020204" pitchFamily="34" charset="0"/>
+                <a:cs typeface="Arial" panose="020B0604020202020204" pitchFamily="34" charset="0"/>
+              </a:rPr>
               <a:t>Create</a:t>
             </a:r>
             <a:r>
@@ -22580,7 +23146,7 @@
     </p:spTree>
     <p:extLst>
       <p:ext uri="{BB962C8B-B14F-4D97-AF65-F5344CB8AC3E}">
-        <p14:creationId xmlns:p14="http://schemas.microsoft.com/office/powerpoint/2010/main" val="2281777983"/>
+        <p14:creationId xmlns:p14="http://schemas.microsoft.com/office/powerpoint/2010/main" val="2937622449"/>
       </p:ext>
     </p:extLst>
   </p:cSld>
@@ -22637,6 +23203,17 @@
           <a:p>
             <a:pPr algn="l"/>
             <a:r>
+              <a:rPr lang="en-US" b="1" i="0" dirty="0" err="1">
+                <a:solidFill>
+                  <a:srgbClr val="000000"/>
+                </a:solidFill>
+                <a:effectLst/>
+                <a:latin typeface="Arial" panose="020B0604020202020204" pitchFamily="34" charset="0"/>
+                <a:cs typeface="Arial" panose="020B0604020202020204" pitchFamily="34" charset="0"/>
+              </a:rPr>
+              <a:t>IaC</a:t>
+            </a:r>
+            <a:r>
               <a:rPr lang="en-US" b="1" i="0" dirty="0">
                 <a:solidFill>
                   <a:srgbClr val="000000"/>
@@ -22645,7 +23222,7 @@
                 <a:latin typeface="Arial" panose="020B0604020202020204" pitchFamily="34" charset="0"/>
                 <a:cs typeface="Arial" panose="020B0604020202020204" pitchFamily="34" charset="0"/>
               </a:rPr>
-              <a:t>Infrastructure as Code Tools</a:t>
+              <a:t> Tools</a:t>
             </a:r>
           </a:p>
         </p:txBody>
@@ -23020,7 +23597,7 @@
                 <a:latin typeface="Arial" panose="020B0604020202020204" pitchFamily="34" charset="0"/>
                 <a:cs typeface="Arial" panose="020B0604020202020204" pitchFamily="34" charset="0"/>
               </a:rPr>
-              <a:t>Terraform is an open-source provisioning tool.</a:t>
+              <a:t>Terraform is an infrastructure provisioning tool.</a:t>
             </a:r>
           </a:p>
           <a:p>
@@ -23154,7 +23731,47 @@
                 <a:latin typeface="Arial" panose="020B0604020202020204" pitchFamily="34" charset="0"/>
                 <a:cs typeface="Arial" panose="020B0604020202020204" pitchFamily="34" charset="0"/>
               </a:rPr>
-              <a:t>Is declarative and idempotent.</a:t>
+              <a:t>Is </a:t>
+            </a:r>
+            <a:r>
+              <a:rPr lang="en-US" sz="2400" b="1" dirty="0">
+                <a:solidFill>
+                  <a:srgbClr val="000000"/>
+                </a:solidFill>
+                <a:latin typeface="Arial" panose="020B0604020202020204" pitchFamily="34" charset="0"/>
+                <a:cs typeface="Arial" panose="020B0604020202020204" pitchFamily="34" charset="0"/>
+              </a:rPr>
+              <a:t>declarative</a:t>
+            </a:r>
+            <a:r>
+              <a:rPr lang="en-US" sz="2400" dirty="0">
+                <a:solidFill>
+                  <a:srgbClr val="000000"/>
+                </a:solidFill>
+                <a:latin typeface="Arial" panose="020B0604020202020204" pitchFamily="34" charset="0"/>
+                <a:cs typeface="Arial" panose="020B0604020202020204" pitchFamily="34" charset="0"/>
+              </a:rPr>
+              <a:t> and </a:t>
+            </a:r>
+            <a:r>
+              <a:rPr lang="en-US" sz="2400" b="1" dirty="0">
+                <a:solidFill>
+                  <a:srgbClr val="000000"/>
+                </a:solidFill>
+                <a:latin typeface="Arial" panose="020B0604020202020204" pitchFamily="34" charset="0"/>
+                <a:cs typeface="Arial" panose="020B0604020202020204" pitchFamily="34" charset="0"/>
+              </a:rPr>
+              <a:t>idempotent</a:t>
+            </a:r>
+            <a:r>
+              <a:rPr lang="en-US" sz="2400" dirty="0">
+                <a:solidFill>
+                  <a:srgbClr val="000000"/>
+                </a:solidFill>
+                <a:latin typeface="Arial" panose="020B0604020202020204" pitchFamily="34" charset="0"/>
+                <a:cs typeface="Arial" panose="020B0604020202020204" pitchFamily="34" charset="0"/>
+              </a:rPr>
+              <a:t>.</a:t>
             </a:r>
           </a:p>
           <a:p>
@@ -24449,7 +25066,7 @@
               <a:t>tf</a:t>
             </a:r>
             <a:r>
-              <a:rPr kumimoji="0" lang="en-US" altLang="en-US" sz="2400" b="1" i="1" u="none" strike="noStrike" cap="none" normalizeH="0" baseline="0" dirty="0">
+              <a:rPr kumimoji="0" lang="en-US" altLang="en-US" sz="2400" b="0" i="0" u="none" strike="noStrike" cap="none" normalizeH="0" baseline="0" dirty="0">
                 <a:ln>
                   <a:noFill/>
                 </a:ln>
@@ -24460,10 +25077,10 @@
                 <a:latin typeface="Arial" panose="020B0604020202020204" pitchFamily="34" charset="0"/>
                 <a:cs typeface="Arial" panose="020B0604020202020204" pitchFamily="34" charset="0"/>
               </a:rPr>
-              <a:t> </a:t>
-            </a:r>
-            <a:r>
-              <a:rPr kumimoji="0" lang="en-US" altLang="en-US" sz="2400" b="0" i="0" u="none" strike="noStrike" cap="none" normalizeH="0" baseline="0" dirty="0">
+              <a:t>, </a:t>
+            </a:r>
+            <a:r>
+              <a:rPr kumimoji="0" lang="en-US" altLang="en-US" sz="2400" b="1" i="0" u="none" strike="noStrike" cap="none" normalizeH="0" baseline="0" dirty="0">
                 <a:ln>
                   <a:noFill/>
                 </a:ln>
@@ -24474,10 +25091,10 @@
                 <a:latin typeface="Arial" panose="020B0604020202020204" pitchFamily="34" charset="0"/>
                 <a:cs typeface="Arial" panose="020B0604020202020204" pitchFamily="34" charset="0"/>
               </a:rPr>
-              <a:t>, </a:t>
-            </a:r>
-            <a:r>
-              <a:rPr kumimoji="0" lang="en-US" altLang="en-US" sz="2400" b="1" i="0" u="none" strike="noStrike" cap="none" normalizeH="0" baseline="0" dirty="0">
+              <a:t>*.</a:t>
+            </a:r>
+            <a:r>
+              <a:rPr kumimoji="0" lang="en-US" altLang="en-US" sz="2400" b="1" i="0" u="none" strike="noStrike" cap="none" normalizeH="0" baseline="0" dirty="0" err="1">
                 <a:ln>
                   <a:noFill/>
                 </a:ln>
@@ -24488,35 +25105,7 @@
                 <a:latin typeface="Arial" panose="020B0604020202020204" pitchFamily="34" charset="0"/>
                 <a:cs typeface="Arial" panose="020B0604020202020204" pitchFamily="34" charset="0"/>
               </a:rPr>
-              <a:t>*.</a:t>
-            </a:r>
-            <a:r>
-              <a:rPr kumimoji="0" lang="en-US" altLang="en-US" sz="2400" b="1" i="0" u="none" strike="noStrike" cap="none" normalizeH="0" baseline="0" dirty="0" err="1">
-                <a:ln>
-                  <a:noFill/>
-                </a:ln>
-                <a:solidFill>
-                  <a:srgbClr val="000000"/>
-                </a:solidFill>
-                <a:effectLst/>
-                <a:latin typeface="Arial" panose="020B0604020202020204" pitchFamily="34" charset="0"/>
-                <a:cs typeface="Arial" panose="020B0604020202020204" pitchFamily="34" charset="0"/>
-              </a:rPr>
               <a:t>tfvars</a:t>
-            </a:r>
-            <a:r>
-              <a:rPr kumimoji="0" lang="en-US" altLang="en-US" sz="2400" b="1" i="0" u="none" strike="noStrike" cap="none" normalizeH="0" baseline="0" dirty="0">
-                <a:ln>
-                  <a:noFill/>
-                </a:ln>
-                <a:solidFill>
-                  <a:srgbClr val="000000"/>
-                </a:solidFill>
-                <a:effectLst/>
-                <a:latin typeface="Arial" panose="020B0604020202020204" pitchFamily="34" charset="0"/>
-                <a:cs typeface="Arial" panose="020B0604020202020204" pitchFamily="34" charset="0"/>
-              </a:rPr>
-              <a:t> </a:t>
             </a:r>
             <a:r>
               <a:rPr kumimoji="0" lang="en-US" altLang="en-US" sz="2400" b="0" i="0" u="none" strike="noStrike" cap="none" normalizeH="0" baseline="0" dirty="0">
